--- a/발표자료/업데이트/LJJppt.pptx
+++ b/발표자료/업데이트/LJJppt.pptx
@@ -5,14 +5,15 @@
     <p:sldMasterId id="2147483648" r:id="rId1"/>
   </p:sldMasterIdLst>
   <p:notesMasterIdLst>
-    <p:notesMasterId r:id="rId7"/>
+    <p:notesMasterId r:id="rId8"/>
   </p:notesMasterIdLst>
   <p:sldIdLst>
     <p:sldId id="256" r:id="rId2"/>
     <p:sldId id="260" r:id="rId3"/>
     <p:sldId id="298" r:id="rId4"/>
-    <p:sldId id="263" r:id="rId5"/>
-    <p:sldId id="277" r:id="rId6"/>
+    <p:sldId id="300" r:id="rId5"/>
+    <p:sldId id="263" r:id="rId6"/>
+    <p:sldId id="277" r:id="rId7"/>
   </p:sldIdLst>
   <p:sldSz cx="12192000" cy="6858000"/>
   <p:notesSz cx="6858000" cy="9144000"/>
@@ -212,7 +213,7 @@
           <a:p>
             <a:fld id="{E7FAF690-47E0-7340-8219-FF1F73A830AB}" type="datetimeFigureOut">
               <a:rPr kumimoji="1" lang="x-none" altLang="en-US" smtClean="0"/>
-              <a:t>2023-09-13</a:t>
+              <a:t>2023-10-05</a:t>
             </a:fld>
             <a:endParaRPr kumimoji="1" lang="x-none" altLang="en-US"/>
           </a:p>
@@ -627,7 +628,7 @@
           <a:p>
             <a:fld id="{246E467A-4026-4A8D-97BF-715EF7FA6491}" type="datetimeFigureOut">
               <a:rPr lang="ko-KR" altLang="en-US" smtClean="0"/>
-              <a:t>2023-09-13</a:t>
+              <a:t>2023-10-05</a:t>
             </a:fld>
             <a:endParaRPr lang="ko-KR" altLang="en-US"/>
           </a:p>
@@ -825,7 +826,7 @@
           <a:p>
             <a:fld id="{246E467A-4026-4A8D-97BF-715EF7FA6491}" type="datetimeFigureOut">
               <a:rPr lang="ko-KR" altLang="en-US" smtClean="0"/>
-              <a:t>2023-09-13</a:t>
+              <a:t>2023-10-05</a:t>
             </a:fld>
             <a:endParaRPr lang="ko-KR" altLang="en-US"/>
           </a:p>
@@ -1033,7 +1034,7 @@
           <a:p>
             <a:fld id="{246E467A-4026-4A8D-97BF-715EF7FA6491}" type="datetimeFigureOut">
               <a:rPr lang="ko-KR" altLang="en-US" smtClean="0"/>
-              <a:t>2023-09-13</a:t>
+              <a:t>2023-10-05</a:t>
             </a:fld>
             <a:endParaRPr lang="ko-KR" altLang="en-US"/>
           </a:p>
@@ -1231,7 +1232,7 @@
           <a:p>
             <a:fld id="{246E467A-4026-4A8D-97BF-715EF7FA6491}" type="datetimeFigureOut">
               <a:rPr lang="ko-KR" altLang="en-US" smtClean="0"/>
-              <a:t>2023-09-13</a:t>
+              <a:t>2023-10-05</a:t>
             </a:fld>
             <a:endParaRPr lang="ko-KR" altLang="en-US"/>
           </a:p>
@@ -1506,7 +1507,7 @@
           <a:p>
             <a:fld id="{246E467A-4026-4A8D-97BF-715EF7FA6491}" type="datetimeFigureOut">
               <a:rPr lang="ko-KR" altLang="en-US" smtClean="0"/>
-              <a:t>2023-09-13</a:t>
+              <a:t>2023-10-05</a:t>
             </a:fld>
             <a:endParaRPr lang="ko-KR" altLang="en-US"/>
           </a:p>
@@ -1771,7 +1772,7 @@
           <a:p>
             <a:fld id="{246E467A-4026-4A8D-97BF-715EF7FA6491}" type="datetimeFigureOut">
               <a:rPr lang="ko-KR" altLang="en-US" smtClean="0"/>
-              <a:t>2023-09-13</a:t>
+              <a:t>2023-10-05</a:t>
             </a:fld>
             <a:endParaRPr lang="ko-KR" altLang="en-US"/>
           </a:p>
@@ -2183,7 +2184,7 @@
           <a:p>
             <a:fld id="{246E467A-4026-4A8D-97BF-715EF7FA6491}" type="datetimeFigureOut">
               <a:rPr lang="ko-KR" altLang="en-US" smtClean="0"/>
-              <a:t>2023-09-13</a:t>
+              <a:t>2023-10-05</a:t>
             </a:fld>
             <a:endParaRPr lang="ko-KR" altLang="en-US"/>
           </a:p>
@@ -2324,7 +2325,7 @@
           <a:p>
             <a:fld id="{246E467A-4026-4A8D-97BF-715EF7FA6491}" type="datetimeFigureOut">
               <a:rPr lang="ko-KR" altLang="en-US" smtClean="0"/>
-              <a:t>2023-09-13</a:t>
+              <a:t>2023-10-05</a:t>
             </a:fld>
             <a:endParaRPr lang="ko-KR" altLang="en-US"/>
           </a:p>
@@ -2437,7 +2438,7 @@
           <a:p>
             <a:fld id="{246E467A-4026-4A8D-97BF-715EF7FA6491}" type="datetimeFigureOut">
               <a:rPr lang="ko-KR" altLang="en-US" smtClean="0"/>
-              <a:t>2023-09-13</a:t>
+              <a:t>2023-10-05</a:t>
             </a:fld>
             <a:endParaRPr lang="ko-KR" altLang="en-US"/>
           </a:p>
@@ -2748,7 +2749,7 @@
           <a:p>
             <a:fld id="{246E467A-4026-4A8D-97BF-715EF7FA6491}" type="datetimeFigureOut">
               <a:rPr lang="ko-KR" altLang="en-US" smtClean="0"/>
-              <a:t>2023-09-13</a:t>
+              <a:t>2023-10-05</a:t>
             </a:fld>
             <a:endParaRPr lang="ko-KR" altLang="en-US"/>
           </a:p>
@@ -3036,7 +3037,7 @@
           <a:p>
             <a:fld id="{246E467A-4026-4A8D-97BF-715EF7FA6491}" type="datetimeFigureOut">
               <a:rPr lang="ko-KR" altLang="en-US" smtClean="0"/>
-              <a:t>2023-09-13</a:t>
+              <a:t>2023-10-05</a:t>
             </a:fld>
             <a:endParaRPr lang="ko-KR" altLang="en-US"/>
           </a:p>
@@ -3277,7 +3278,7 @@
           <a:p>
             <a:fld id="{246E467A-4026-4A8D-97BF-715EF7FA6491}" type="datetimeFigureOut">
               <a:rPr lang="ko-KR" altLang="en-US" smtClean="0"/>
-              <a:t>2023-09-13</a:t>
+              <a:t>2023-10-05</a:t>
             </a:fld>
             <a:endParaRPr lang="ko-KR" altLang="en-US"/>
           </a:p>
@@ -4157,8 +4158,8 @@
         </p:nvSpPr>
         <p:spPr>
           <a:xfrm>
-            <a:off x="3906079" y="5148906"/>
-            <a:ext cx="3508512" cy="646331"/>
+            <a:off x="6199925" y="6021169"/>
+            <a:ext cx="4802691" cy="646331"/>
           </a:xfrm>
           <a:prstGeom prst="rect">
             <a:avLst/>
@@ -4173,25 +4174,32 @@
           <a:p>
             <a:r>
               <a:rPr lang="ko-KR" altLang="en-US" dirty="0"/>
-              <a:t>메인 페이지 디자인 후 제작 작업</a:t>
+              <a:t>메인 페이지 제작</a:t>
             </a:r>
             <a:endParaRPr lang="en-US" altLang="ko-KR" dirty="0"/>
           </a:p>
           <a:p>
             <a:r>
+              <a:rPr lang="en-US" altLang="ko-KR" dirty="0"/>
+              <a:t>(</a:t>
+            </a:r>
+            <a:r>
               <a:rPr lang="ko-KR" altLang="en-US" dirty="0"/>
-              <a:t>로고는 바뀔 예정</a:t>
-            </a:r>
-            <a:endParaRPr lang="en-US" altLang="ko-KR" dirty="0"/>
+              <a:t>버튼과 이미지 링크 연결과 세부 디자인 수정</a:t>
+            </a:r>
+            <a:r>
+              <a:rPr lang="en-US" altLang="ko-KR" dirty="0"/>
+              <a:t>)</a:t>
+            </a:r>
           </a:p>
         </p:txBody>
       </p:sp>
       <p:pic>
         <p:nvPicPr>
-          <p:cNvPr id="4" name="그림 3">
-            <a:extLst>
-              <a:ext uri="{FF2B5EF4-FFF2-40B4-BE49-F238E27FC236}">
-                <a16:creationId xmlns:a16="http://schemas.microsoft.com/office/drawing/2014/main" id="{B6E16444-5055-483C-04C6-7CC3444711B4}"/>
+          <p:cNvPr id="7" name="그림 6">
+            <a:extLst>
+              <a:ext uri="{FF2B5EF4-FFF2-40B4-BE49-F238E27FC236}">
+                <a16:creationId xmlns:a16="http://schemas.microsoft.com/office/drawing/2014/main" id="{7DAE8DDE-1D62-1F75-8DAE-8026A8968A3E}"/>
               </a:ext>
             </a:extLst>
           </p:cNvPr>
@@ -4200,44 +4208,16 @@
           </p:cNvPicPr>
           <p:nvPr/>
         </p:nvPicPr>
-        <p:blipFill rotWithShape="1">
+        <p:blipFill>
           <a:blip r:embed="rId2"/>
-          <a:srcRect l="1687" t="1822" r="1449"/>
-          <a:stretch/>
+          <a:stretch>
+            <a:fillRect/>
+          </a:stretch>
         </p:blipFill>
         <p:spPr>
           <a:xfrm>
-            <a:off x="631136" y="825040"/>
-            <a:ext cx="4946374" cy="3564464"/>
-          </a:xfrm>
-          <a:prstGeom prst="rect">
-            <a:avLst/>
-          </a:prstGeom>
-        </p:spPr>
-      </p:pic>
-      <p:pic>
-        <p:nvPicPr>
-          <p:cNvPr id="8" name="그림 7">
-            <a:extLst>
-              <a:ext uri="{FF2B5EF4-FFF2-40B4-BE49-F238E27FC236}">
-                <a16:creationId xmlns:a16="http://schemas.microsoft.com/office/drawing/2014/main" id="{D5F13818-24D0-527A-AA56-DA1E1D99C352}"/>
-              </a:ext>
-            </a:extLst>
-          </p:cNvPr>
-          <p:cNvPicPr>
-            <a:picLocks noChangeAspect="1"/>
-          </p:cNvPicPr>
-          <p:nvPr/>
-        </p:nvPicPr>
-        <p:blipFill rotWithShape="1">
-          <a:blip r:embed="rId3"/>
-          <a:srcRect l="1084" t="681"/>
-          <a:stretch/>
-        </p:blipFill>
-        <p:spPr>
-          <a:xfrm>
-            <a:off x="6096000" y="880421"/>
-            <a:ext cx="4892743" cy="3509083"/>
+            <a:off x="152400" y="539933"/>
+            <a:ext cx="5839676" cy="6318067"/>
           </a:xfrm>
           <a:prstGeom prst="rect">
             <a:avLst/>
@@ -4272,6 +4252,207 @@
 <file path=ppt/slides/slide4.xml><?xml version="1.0" encoding="utf-8"?>
 <p:sld xmlns:a="http://schemas.openxmlformats.org/drawingml/2006/main" xmlns:r="http://schemas.openxmlformats.org/officeDocument/2006/relationships" xmlns:p="http://schemas.openxmlformats.org/presentationml/2006/main">
   <p:cSld>
+    <p:spTree>
+      <p:nvGrpSpPr>
+        <p:cNvPr id="1" name=""/>
+        <p:cNvGrpSpPr/>
+        <p:nvPr/>
+      </p:nvGrpSpPr>
+      <p:grpSpPr>
+        <a:xfrm>
+          <a:off x="0" y="0"/>
+          <a:ext cx="0" cy="0"/>
+          <a:chOff x="0" y="0"/>
+          <a:chExt cx="0" cy="0"/>
+        </a:xfrm>
+      </p:grpSpPr>
+      <p:cxnSp>
+        <p:nvCxnSpPr>
+          <p:cNvPr id="3" name="직선 연결선 2">
+            <a:extLst>
+              <a:ext uri="{FF2B5EF4-FFF2-40B4-BE49-F238E27FC236}">
+                <a16:creationId xmlns:a16="http://schemas.microsoft.com/office/drawing/2014/main" id="{30B7886A-E2C2-47A8-A271-1FD08F52EED0}"/>
+              </a:ext>
+            </a:extLst>
+          </p:cNvPr>
+          <p:cNvCxnSpPr>
+            <a:cxnSpLocks/>
+          </p:cNvCxnSpPr>
+          <p:nvPr/>
+        </p:nvCxnSpPr>
+        <p:spPr>
+          <a:xfrm>
+            <a:off x="152400" y="190500"/>
+            <a:ext cx="1435100" cy="0"/>
+          </a:xfrm>
+          <a:prstGeom prst="line">
+            <a:avLst/>
+          </a:prstGeom>
+          <a:ln w="76200">
+            <a:solidFill>
+              <a:schemeClr val="accent4"/>
+            </a:solidFill>
+          </a:ln>
+        </p:spPr>
+        <p:style>
+          <a:lnRef idx="1">
+            <a:schemeClr val="accent1"/>
+          </a:lnRef>
+          <a:fillRef idx="0">
+            <a:schemeClr val="accent1"/>
+          </a:fillRef>
+          <a:effectRef idx="0">
+            <a:schemeClr val="accent1"/>
+          </a:effectRef>
+          <a:fontRef idx="minor">
+            <a:schemeClr val="tx1"/>
+          </a:fontRef>
+        </p:style>
+      </p:cxnSp>
+      <p:cxnSp>
+        <p:nvCxnSpPr>
+          <p:cNvPr id="18" name="직선 연결선 17">
+            <a:extLst>
+              <a:ext uri="{FF2B5EF4-FFF2-40B4-BE49-F238E27FC236}">
+                <a16:creationId xmlns:a16="http://schemas.microsoft.com/office/drawing/2014/main" id="{7911BDFD-7E29-44F7-9ED7-E8F36B51436C}"/>
+              </a:ext>
+            </a:extLst>
+          </p:cNvPr>
+          <p:cNvCxnSpPr/>
+          <p:nvPr/>
+        </p:nvCxnSpPr>
+        <p:spPr>
+          <a:xfrm>
+            <a:off x="1587500" y="190500"/>
+            <a:ext cx="10604500" cy="0"/>
+          </a:xfrm>
+          <a:prstGeom prst="line">
+            <a:avLst/>
+          </a:prstGeom>
+        </p:spPr>
+        <p:style>
+          <a:lnRef idx="1">
+            <a:schemeClr val="accent1"/>
+          </a:lnRef>
+          <a:fillRef idx="0">
+            <a:schemeClr val="accent1"/>
+          </a:fillRef>
+          <a:effectRef idx="0">
+            <a:schemeClr val="accent1"/>
+          </a:effectRef>
+          <a:fontRef idx="minor">
+            <a:schemeClr val="tx1"/>
+          </a:fontRef>
+        </p:style>
+      </p:cxnSp>
+      <p:sp>
+        <p:nvSpPr>
+          <p:cNvPr id="11" name="TextBox 10">
+            <a:extLst>
+              <a:ext uri="{FF2B5EF4-FFF2-40B4-BE49-F238E27FC236}">
+                <a16:creationId xmlns:a16="http://schemas.microsoft.com/office/drawing/2014/main" id="{2F0282E5-FAB7-8B08-6F8D-02969677E299}"/>
+              </a:ext>
+            </a:extLst>
+          </p:cNvPr>
+          <p:cNvSpPr txBox="1"/>
+          <p:nvPr/>
+        </p:nvSpPr>
+        <p:spPr>
+          <a:xfrm>
+            <a:off x="6199925" y="6021169"/>
+            <a:ext cx="5697214" cy="646331"/>
+          </a:xfrm>
+          <a:prstGeom prst="rect">
+            <a:avLst/>
+          </a:prstGeom>
+          <a:noFill/>
+        </p:spPr>
+        <p:txBody>
+          <a:bodyPr wrap="square" rtlCol="0">
+            <a:spAutoFit/>
+          </a:bodyPr>
+          <a:lstStyle/>
+          <a:p>
+            <a:r>
+              <a:rPr lang="ko-KR" altLang="en-US" dirty="0"/>
+              <a:t>모바일 앱 용 메인 페이지 제작</a:t>
+            </a:r>
+            <a:endParaRPr lang="en-US" altLang="ko-KR" dirty="0"/>
+          </a:p>
+          <a:p>
+            <a:r>
+              <a:rPr lang="en-US" altLang="ko-KR" dirty="0"/>
+              <a:t>(</a:t>
+            </a:r>
+            <a:r>
+              <a:rPr lang="ko-KR" altLang="en-US" dirty="0"/>
+              <a:t>버튼과 이미지 링크 연결과 세부 디자인 수정 진행중</a:t>
+            </a:r>
+            <a:r>
+              <a:rPr lang="en-US" altLang="ko-KR" dirty="0"/>
+              <a:t>)</a:t>
+            </a:r>
+          </a:p>
+        </p:txBody>
+      </p:sp>
+      <p:pic>
+        <p:nvPicPr>
+          <p:cNvPr id="2" name="그림 1">
+            <a:extLst>
+              <a:ext uri="{FF2B5EF4-FFF2-40B4-BE49-F238E27FC236}">
+                <a16:creationId xmlns:a16="http://schemas.microsoft.com/office/drawing/2014/main" id="{07B73EE8-974A-78D8-8F78-14066451DF09}"/>
+              </a:ext>
+            </a:extLst>
+          </p:cNvPr>
+          <p:cNvPicPr>
+            <a:picLocks noChangeAspect="1"/>
+          </p:cNvPicPr>
+          <p:nvPr/>
+        </p:nvPicPr>
+        <p:blipFill>
+          <a:blip r:embed="rId2"/>
+          <a:stretch>
+            <a:fillRect/>
+          </a:stretch>
+        </p:blipFill>
+        <p:spPr>
+          <a:xfrm>
+            <a:off x="575196" y="720677"/>
+            <a:ext cx="5059881" cy="5853968"/>
+          </a:xfrm>
+          <a:prstGeom prst="rect">
+            <a:avLst/>
+          </a:prstGeom>
+        </p:spPr>
+      </p:pic>
+    </p:spTree>
+    <p:extLst>
+      <p:ext uri="{BB962C8B-B14F-4D97-AF65-F5344CB8AC3E}">
+        <p14:creationId xmlns:p14="http://schemas.microsoft.com/office/powerpoint/2010/main" val="552205913"/>
+      </p:ext>
+    </p:extLst>
+  </p:cSld>
+  <p:clrMapOvr>
+    <a:masterClrMapping/>
+  </p:clrMapOvr>
+  <mc:AlternateContent xmlns:mc="http://schemas.openxmlformats.org/markup-compatibility/2006" xmlns:p14="http://schemas.microsoft.com/office/powerpoint/2010/main">
+    <mc:Choice Requires="p14">
+      <p:transition spd="med" p14:dur="700">
+        <p:fade/>
+      </p:transition>
+    </mc:Choice>
+    <mc:Fallback xmlns="">
+      <p:transition spd="med">
+        <p:fade/>
+      </p:transition>
+    </mc:Fallback>
+  </mc:AlternateContent>
+</p:sld>
+</file>
+
+<file path=ppt/slides/slide5.xml><?xml version="1.0" encoding="utf-8"?>
+<p:sld xmlns:a="http://schemas.openxmlformats.org/drawingml/2006/main" xmlns:r="http://schemas.openxmlformats.org/officeDocument/2006/relationships" xmlns:p="http://schemas.openxmlformats.org/presentationml/2006/main">
+  <p:cSld>
     <p:bg>
       <p:bgPr>
         <a:solidFill>
@@ -4391,7 +4572,7 @@
 </p:sld>
 </file>
 
-<file path=ppt/slides/slide5.xml><?xml version="1.0" encoding="utf-8"?>
+<file path=ppt/slides/slide6.xml><?xml version="1.0" encoding="utf-8"?>
 <p:sld xmlns:a="http://schemas.openxmlformats.org/drawingml/2006/main" xmlns:r="http://schemas.openxmlformats.org/officeDocument/2006/relationships" xmlns:p="http://schemas.openxmlformats.org/presentationml/2006/main">
   <p:cSld>
     <p:spTree>

--- a/발표자료/업데이트/LJJppt.pptx
+++ b/발표자료/업데이트/LJJppt.pptx
@@ -4159,7 +4159,7 @@
         <p:spPr>
           <a:xfrm>
             <a:off x="6199925" y="6021169"/>
-            <a:ext cx="4802691" cy="646331"/>
+            <a:ext cx="5587884" cy="646331"/>
           </a:xfrm>
           <a:prstGeom prst="rect">
             <a:avLst/>
@@ -4185,7 +4185,7 @@
             </a:r>
             <a:r>
               <a:rPr lang="ko-KR" altLang="en-US" dirty="0"/>
-              <a:t>버튼과 이미지 링크 연결과 세부 디자인 수정</a:t>
+              <a:t>버튼과 이미지 링크 연결과 세부 디자인 수정 진행중</a:t>
             </a:r>
             <a:r>
               <a:rPr lang="en-US" altLang="ko-KR" dirty="0"/>

--- a/발표자료/업데이트/LJJppt.pptx
+++ b/발표자료/업데이트/LJJppt.pptx
@@ -213,7 +213,7 @@
           <a:p>
             <a:fld id="{E7FAF690-47E0-7340-8219-FF1F73A830AB}" type="datetimeFigureOut">
               <a:rPr kumimoji="1" lang="x-none" altLang="en-US" smtClean="0"/>
-              <a:t>2023-10-05</a:t>
+              <a:t>2023. 10. 5.</a:t>
             </a:fld>
             <a:endParaRPr kumimoji="1" lang="x-none" altLang="en-US"/>
           </a:p>
@@ -628,7 +628,7 @@
           <a:p>
             <a:fld id="{246E467A-4026-4A8D-97BF-715EF7FA6491}" type="datetimeFigureOut">
               <a:rPr lang="ko-KR" altLang="en-US" smtClean="0"/>
-              <a:t>2023-10-05</a:t>
+              <a:t>2023. 10. 5.</a:t>
             </a:fld>
             <a:endParaRPr lang="ko-KR" altLang="en-US"/>
           </a:p>
@@ -826,7 +826,7 @@
           <a:p>
             <a:fld id="{246E467A-4026-4A8D-97BF-715EF7FA6491}" type="datetimeFigureOut">
               <a:rPr lang="ko-KR" altLang="en-US" smtClean="0"/>
-              <a:t>2023-10-05</a:t>
+              <a:t>2023. 10. 5.</a:t>
             </a:fld>
             <a:endParaRPr lang="ko-KR" altLang="en-US"/>
           </a:p>
@@ -1034,7 +1034,7 @@
           <a:p>
             <a:fld id="{246E467A-4026-4A8D-97BF-715EF7FA6491}" type="datetimeFigureOut">
               <a:rPr lang="ko-KR" altLang="en-US" smtClean="0"/>
-              <a:t>2023-10-05</a:t>
+              <a:t>2023. 10. 5.</a:t>
             </a:fld>
             <a:endParaRPr lang="ko-KR" altLang="en-US"/>
           </a:p>
@@ -1232,7 +1232,7 @@
           <a:p>
             <a:fld id="{246E467A-4026-4A8D-97BF-715EF7FA6491}" type="datetimeFigureOut">
               <a:rPr lang="ko-KR" altLang="en-US" smtClean="0"/>
-              <a:t>2023-10-05</a:t>
+              <a:t>2023. 10. 5.</a:t>
             </a:fld>
             <a:endParaRPr lang="ko-KR" altLang="en-US"/>
           </a:p>
@@ -1507,7 +1507,7 @@
           <a:p>
             <a:fld id="{246E467A-4026-4A8D-97BF-715EF7FA6491}" type="datetimeFigureOut">
               <a:rPr lang="ko-KR" altLang="en-US" smtClean="0"/>
-              <a:t>2023-10-05</a:t>
+              <a:t>2023. 10. 5.</a:t>
             </a:fld>
             <a:endParaRPr lang="ko-KR" altLang="en-US"/>
           </a:p>
@@ -1772,7 +1772,7 @@
           <a:p>
             <a:fld id="{246E467A-4026-4A8D-97BF-715EF7FA6491}" type="datetimeFigureOut">
               <a:rPr lang="ko-KR" altLang="en-US" smtClean="0"/>
-              <a:t>2023-10-05</a:t>
+              <a:t>2023. 10. 5.</a:t>
             </a:fld>
             <a:endParaRPr lang="ko-KR" altLang="en-US"/>
           </a:p>
@@ -2184,7 +2184,7 @@
           <a:p>
             <a:fld id="{246E467A-4026-4A8D-97BF-715EF7FA6491}" type="datetimeFigureOut">
               <a:rPr lang="ko-KR" altLang="en-US" smtClean="0"/>
-              <a:t>2023-10-05</a:t>
+              <a:t>2023. 10. 5.</a:t>
             </a:fld>
             <a:endParaRPr lang="ko-KR" altLang="en-US"/>
           </a:p>
@@ -2325,7 +2325,7 @@
           <a:p>
             <a:fld id="{246E467A-4026-4A8D-97BF-715EF7FA6491}" type="datetimeFigureOut">
               <a:rPr lang="ko-KR" altLang="en-US" smtClean="0"/>
-              <a:t>2023-10-05</a:t>
+              <a:t>2023. 10. 5.</a:t>
             </a:fld>
             <a:endParaRPr lang="ko-KR" altLang="en-US"/>
           </a:p>
@@ -2438,7 +2438,7 @@
           <a:p>
             <a:fld id="{246E467A-4026-4A8D-97BF-715EF7FA6491}" type="datetimeFigureOut">
               <a:rPr lang="ko-KR" altLang="en-US" smtClean="0"/>
-              <a:t>2023-10-05</a:t>
+              <a:t>2023. 10. 5.</a:t>
             </a:fld>
             <a:endParaRPr lang="ko-KR" altLang="en-US"/>
           </a:p>
@@ -2749,7 +2749,7 @@
           <a:p>
             <a:fld id="{246E467A-4026-4A8D-97BF-715EF7FA6491}" type="datetimeFigureOut">
               <a:rPr lang="ko-KR" altLang="en-US" smtClean="0"/>
-              <a:t>2023-10-05</a:t>
+              <a:t>2023. 10. 5.</a:t>
             </a:fld>
             <a:endParaRPr lang="ko-KR" altLang="en-US"/>
           </a:p>
@@ -3037,7 +3037,7 @@
           <a:p>
             <a:fld id="{246E467A-4026-4A8D-97BF-715EF7FA6491}" type="datetimeFigureOut">
               <a:rPr lang="ko-KR" altLang="en-US" smtClean="0"/>
-              <a:t>2023-10-05</a:t>
+              <a:t>2023. 10. 5.</a:t>
             </a:fld>
             <a:endParaRPr lang="ko-KR" altLang="en-US"/>
           </a:p>
@@ -3278,7 +3278,7 @@
           <a:p>
             <a:fld id="{246E467A-4026-4A8D-97BF-715EF7FA6491}" type="datetimeFigureOut">
               <a:rPr lang="ko-KR" altLang="en-US" smtClean="0"/>
-              <a:t>2023-10-05</a:t>
+              <a:t>2023. 10. 5.</a:t>
             </a:fld>
             <a:endParaRPr lang="ko-KR" altLang="en-US"/>
           </a:p>
